--- a/DeepLearning_Presentation_FInal.pptx
+++ b/DeepLearning_Presentation_FInal.pptx
@@ -5168,12 +5168,44 @@
               <a:t>It container </a:t>
             </a:r>
             <a:r>
+              <a:rPr lang="en-US" sz="2400" b="0" i="0" u="none" strike="noStrike" dirty="0" err="1">
+                <a:solidFill>
+                  <a:srgbClr val="1F1F1F"/>
+                </a:solidFill>
+                <a:effectLst/>
+                <a:latin typeface="Source Sans Pro" panose="020B0503030403020204" pitchFamily="34" charset="0"/>
+              </a:rPr>
+              <a:t>Jupyter</a:t>
+            </a:r>
+            <a:r>
+              <a:rPr lang="en-US" sz="2400" b="0" i="0" u="none" strike="noStrike" dirty="0">
+                <a:solidFill>
+                  <a:srgbClr val="1F1F1F"/>
+                </a:solidFill>
+                <a:effectLst/>
+                <a:latin typeface="Source Sans Pro" panose="020B0503030403020204" pitchFamily="34" charset="0"/>
+              </a:rPr>
+              <a:t> notebook</a:t>
+            </a:r>
+            <a:r>
+              <a:rPr lang="nb-NO" sz="2400" dirty="0"/>
+              <a:t>, </a:t>
+            </a:r>
+            <a:r>
               <a:rPr lang="nb-NO" sz="2400" dirty="0" err="1"/>
-              <a:t>Jyupter</a:t>
+              <a:t>Dataset</a:t>
             </a:r>
             <a:r>
               <a:rPr lang="nb-NO" sz="2400" dirty="0"/>
-              <a:t> Notebook, Rasuls, Presentation</a:t>
+              <a:t>, </a:t>
+            </a:r>
+            <a:r>
+              <a:rPr lang="nb-NO" sz="2400" dirty="0" err="1"/>
+              <a:t>Results</a:t>
+            </a:r>
+            <a:r>
+              <a:rPr lang="nb-NO" sz="2400" dirty="0"/>
+              <a:t> and Presentation</a:t>
             </a:r>
           </a:p>
         </p:txBody>
